--- a/test/pptx/blanks/just-speaker-notes/output.pptx
+++ b/test/pptx/blanks/just-speaker-notes/output.pptx
@@ -5,7 +5,7 @@
     <p:sldMasterId id="2147483648" r:id="rId1"/>
   </p:sldMasterIdLst>
   <p:notesMasterIdLst>
-    <p:NotesMasterId r:id="rId5"/>
+    <p:notesMasterId r:id="rId5"/>
   </p:notesMasterIdLst>
   <p:sldIdLst>
     <p:sldId id="256" r:id="rId2"/>

--- a/test/pptx/blanks/just-speaker-notes/output.pptx
+++ b/test/pptx/blanks/just-speaker-notes/output.pptx
@@ -522,7 +522,7 @@
           <a:bodyPr/>
           <a:lstStyle/>
           <a:p>
-            <a:pPr lvl="0" marL="0" indent="0">
+            <a:pPr lvl="0" indent="0" marL="0">
               <a:buNone/>
             </a:pPr>
             <a:r>
@@ -3296,7 +3296,7 @@
       </a:lvl1pPr>
     </p:titleStyle>
     <p:bodyStyle>
-      <a:lvl1pPr algn="l" defTabSz="457200" eaLnBrk="1" hangingPunct="1" indent="-342900" latinLnBrk="0" marL="342900" rtl="0">
+      <a:lvl1pPr algn="l" defTabSz="457200" eaLnBrk="1" hangingPunct="1" indent="-457200" latinLnBrk="0" marL="457200" rtl="0">
         <a:spcBef>
           <a:spcPct val="20000"/>
         </a:spcBef>
@@ -3311,7 +3311,7 @@
           <a:cs typeface="+mn-cs"/>
         </a:defRPr>
       </a:lvl1pPr>
-      <a:lvl2pPr algn="l" defTabSz="457200" eaLnBrk="1" hangingPunct="1" indent="-285750" latinLnBrk="0" marL="742950" rtl="0">
+      <a:lvl2pPr algn="l" defTabSz="457200" eaLnBrk="1" hangingPunct="1" indent="-457200" latinLnBrk="0" marL="914400" rtl="0">
         <a:spcBef>
           <a:spcPct val="20000"/>
         </a:spcBef>
@@ -3326,7 +3326,7 @@
           <a:cs typeface="+mn-cs"/>
         </a:defRPr>
       </a:lvl2pPr>
-      <a:lvl3pPr algn="l" defTabSz="457200" eaLnBrk="1" hangingPunct="1" indent="-228600" latinLnBrk="0" marL="1143000" rtl="0">
+      <a:lvl3pPr algn="l" defTabSz="457200" eaLnBrk="1" hangingPunct="1" indent="-457200" latinLnBrk="0" marL="1371600" rtl="0">
         <a:spcBef>
           <a:spcPct val="20000"/>
         </a:spcBef>
@@ -3341,7 +3341,7 @@
           <a:cs typeface="+mn-cs"/>
         </a:defRPr>
       </a:lvl3pPr>
-      <a:lvl4pPr algn="l" defTabSz="457200" eaLnBrk="1" hangingPunct="1" indent="-228600" latinLnBrk="0" marL="1600200" rtl="0">
+      <a:lvl4pPr algn="l" defTabSz="457200" eaLnBrk="1" hangingPunct="1" indent="-457200" latinLnBrk="0" marL="1828800" rtl="0">
         <a:spcBef>
           <a:spcPct val="20000"/>
         </a:spcBef>
@@ -3356,7 +3356,7 @@
           <a:cs typeface="+mn-cs"/>
         </a:defRPr>
       </a:lvl4pPr>
-      <a:lvl5pPr algn="l" defTabSz="457200" eaLnBrk="1" hangingPunct="1" indent="-228600" latinLnBrk="0" marL="2057400" rtl="0">
+      <a:lvl5pPr algn="l" defTabSz="457200" eaLnBrk="1" hangingPunct="1" indent="-457200" latinLnBrk="0" marL="2286000" rtl="0">
         <a:spcBef>
           <a:spcPct val="20000"/>
         </a:spcBef>
@@ -3371,7 +3371,7 @@
           <a:cs typeface="+mn-cs"/>
         </a:defRPr>
       </a:lvl5pPr>
-      <a:lvl6pPr algn="l" defTabSz="457200" eaLnBrk="1" hangingPunct="1" indent="-228600" latinLnBrk="0" marL="2514600" rtl="0">
+      <a:lvl6pPr algn="l" defTabSz="457200" eaLnBrk="1" hangingPunct="1" indent="-457200" latinLnBrk="0" marL="2743200" rtl="0">
         <a:spcBef>
           <a:spcPct val="20000"/>
         </a:spcBef>
@@ -3386,7 +3386,7 @@
           <a:cs typeface="+mn-cs"/>
         </a:defRPr>
       </a:lvl6pPr>
-      <a:lvl7pPr algn="l" defTabSz="457200" eaLnBrk="1" hangingPunct="1" indent="-228600" latinLnBrk="0" marL="2971800" rtl="0">
+      <a:lvl7pPr algn="l" defTabSz="457200" eaLnBrk="1" hangingPunct="1" indent="-457200" latinLnBrk="0" marL="3200400" rtl="0">
         <a:spcBef>
           <a:spcPct val="20000"/>
         </a:spcBef>
@@ -3401,7 +3401,7 @@
           <a:cs typeface="+mn-cs"/>
         </a:defRPr>
       </a:lvl7pPr>
-      <a:lvl8pPr algn="l" defTabSz="457200" eaLnBrk="1" hangingPunct="1" indent="-228600" latinLnBrk="0" marL="3429000" rtl="0">
+      <a:lvl8pPr algn="l" defTabSz="457200" eaLnBrk="1" hangingPunct="1" indent="-457200" latinLnBrk="0" marL="3657600" rtl="0">
         <a:spcBef>
           <a:spcPct val="20000"/>
         </a:spcBef>
@@ -3416,7 +3416,7 @@
           <a:cs typeface="+mn-cs"/>
         </a:defRPr>
       </a:lvl8pPr>
-      <a:lvl9pPr algn="l" defTabSz="457200" eaLnBrk="1" hangingPunct="1" indent="-228600" latinLnBrk="0" marL="3886200" rtl="0">
+      <a:lvl9pPr algn="l" defTabSz="457200" eaLnBrk="1" hangingPunct="1" indent="-457200" latinLnBrk="0" marL="4114800" rtl="0">
         <a:spcBef>
           <a:spcPct val="20000"/>
         </a:spcBef>
@@ -3563,7 +3563,7 @@
           <a:bodyPr/>
           <a:lstStyle/>
           <a:p>
-            <a:pPr lvl="0" marL="0" indent="0">
+            <a:pPr lvl="0" indent="0" marL="0">
               <a:buNone/>
             </a:pPr>
             <a:r>
@@ -3588,7 +3588,7 @@
           <a:bodyPr/>
           <a:lstStyle/>
           <a:p>
-            <a:pPr lvl="0" marL="0" indent="0">
+            <a:pPr lvl="0" indent="0" marL="0">
               <a:buNone/>
             </a:pPr>
             <a:r>
@@ -3657,7 +3657,7 @@
           <a:bodyPr/>
           <a:lstStyle/>
           <a:p>
-            <a:pPr lvl="0" marL="0" indent="0">
+            <a:pPr lvl="0" indent="0" marL="0">
               <a:buNone/>
             </a:pPr>
             <a:r>
@@ -3682,7 +3682,7 @@
           <a:bodyPr/>
           <a:lstStyle/>
           <a:p>
-            <a:pPr lvl="0" marL="0" indent="0">
+            <a:pPr lvl="0" indent="0" marL="0">
               <a:buNone/>
             </a:pPr>
             <a:r>

--- a/test/pptx/blanks/just-speaker-notes/output.pptx
+++ b/test/pptx/blanks/just-speaker-notes/output.pptx
@@ -527,87 +527,7 @@
             </a:pPr>
             <a:r>
               <a:rPr/>
-              <a:t>Some</a:t>
-            </a:r>
-            <a:r>
-              <a:rPr/>
-              <a:t> </a:t>
-            </a:r>
-            <a:r>
-              <a:rPr/>
-              <a:t>notes</a:t>
-            </a:r>
-            <a:r>
-              <a:rPr/>
-              <a:t> </a:t>
-            </a:r>
-            <a:r>
-              <a:rPr/>
-              <a:t>here:</a:t>
-            </a:r>
-            <a:r>
-              <a:rPr/>
-              <a:t> </a:t>
-            </a:r>
-            <a:r>
-              <a:rPr/>
-              <a:t>this</a:t>
-            </a:r>
-            <a:r>
-              <a:rPr/>
-              <a:t> </a:t>
-            </a:r>
-            <a:r>
-              <a:rPr/>
-              <a:t>first</a:t>
-            </a:r>
-            <a:r>
-              <a:rPr/>
-              <a:t> </a:t>
-            </a:r>
-            <a:r>
-              <a:rPr/>
-              <a:t>slide</a:t>
-            </a:r>
-            <a:r>
-              <a:rPr/>
-              <a:t> </a:t>
-            </a:r>
-            <a:r>
-              <a:rPr/>
-              <a:t>should</a:t>
-            </a:r>
-            <a:r>
-              <a:rPr/>
-              <a:t> </a:t>
-            </a:r>
-            <a:r>
-              <a:rPr/>
-              <a:t>use</a:t>
-            </a:r>
-            <a:r>
-              <a:rPr/>
-              <a:t> </a:t>
-            </a:r>
-            <a:r>
-              <a:rPr/>
-              <a:t>the</a:t>
-            </a:r>
-            <a:r>
-              <a:rPr/>
-              <a:t> </a:t>
-            </a:r>
-            <a:r>
-              <a:rPr/>
-              <a:t>Blank</a:t>
-            </a:r>
-            <a:r>
-              <a:rPr/>
-              <a:t> </a:t>
-            </a:r>
-            <a:r>
-              <a:rPr/>
-              <a:t>template</a:t>
+              <a:t>Some notes here: this first slide should use the Blank template</a:t>
             </a:r>
           </a:p>
         </p:txBody>
@@ -3648,15 +3568,7 @@
             </a:pPr>
             <a:r>
               <a:rPr/>
-              <a:t>First</a:t>
-            </a:r>
-            <a:r>
-              <a:rPr/>
-              <a:t> </a:t>
-            </a:r>
-            <a:r>
-              <a:rPr/>
-              <a:t>slide</a:t>
+              <a:t>First slide</a:t>
             </a:r>
           </a:p>
         </p:txBody>
@@ -3750,15 +3662,7 @@
             </a:pPr>
             <a:r>
               <a:rPr/>
-              <a:t>Third</a:t>
-            </a:r>
-            <a:r>
-              <a:rPr/>
-              <a:t> </a:t>
-            </a:r>
-            <a:r>
-              <a:rPr/>
-              <a:t>slide</a:t>
+              <a:t>Third slide</a:t>
             </a:r>
           </a:p>
         </p:txBody>

--- a/test/pptx/blanks/just-speaker-notes/output.pptx
+++ b/test/pptx/blanks/just-speaker-notes/output.pptx
@@ -527,83 +527,43 @@
             </a:pPr>
             <a:r>
               <a:rPr/>
-              <a:t>Some</a:t>
+              <a:t>Some </a:t>
             </a:r>
             <a:r>
               <a:rPr/>
-              <a:t> </a:t>
+              <a:t>notes </a:t>
             </a:r>
             <a:r>
               <a:rPr/>
-              <a:t>notes</a:t>
+              <a:t>here: </a:t>
             </a:r>
             <a:r>
               <a:rPr/>
-              <a:t> </a:t>
+              <a:t>this </a:t>
             </a:r>
             <a:r>
               <a:rPr/>
-              <a:t>here:</a:t>
+              <a:t>first </a:t>
             </a:r>
             <a:r>
               <a:rPr/>
-              <a:t> </a:t>
+              <a:t>slide </a:t>
             </a:r>
             <a:r>
               <a:rPr/>
-              <a:t>this</a:t>
+              <a:t>should </a:t>
             </a:r>
             <a:r>
               <a:rPr/>
-              <a:t> </a:t>
+              <a:t>use </a:t>
             </a:r>
             <a:r>
               <a:rPr/>
-              <a:t>first</a:t>
+              <a:t>the </a:t>
             </a:r>
             <a:r>
               <a:rPr/>
-              <a:t> </a:t>
-            </a:r>
-            <a:r>
-              <a:rPr/>
-              <a:t>slide</a:t>
-            </a:r>
-            <a:r>
-              <a:rPr/>
-              <a:t> </a:t>
-            </a:r>
-            <a:r>
-              <a:rPr/>
-              <a:t>should</a:t>
-            </a:r>
-            <a:r>
-              <a:rPr/>
-              <a:t> </a:t>
-            </a:r>
-            <a:r>
-              <a:rPr/>
-              <a:t>use</a:t>
-            </a:r>
-            <a:r>
-              <a:rPr/>
-              <a:t> </a:t>
-            </a:r>
-            <a:r>
-              <a:rPr/>
-              <a:t>the</a:t>
-            </a:r>
-            <a:r>
-              <a:rPr/>
-              <a:t> </a:t>
-            </a:r>
-            <a:r>
-              <a:rPr/>
-              <a:t>Blank</a:t>
-            </a:r>
-            <a:r>
-              <a:rPr/>
-              <a:t> </a:t>
+              <a:t>Blank </a:t>
             </a:r>
             <a:r>
               <a:rPr/>
@@ -3648,11 +3608,7 @@
             </a:pPr>
             <a:r>
               <a:rPr/>
-              <a:t>First</a:t>
-            </a:r>
-            <a:r>
-              <a:rPr/>
-              <a:t> </a:t>
+              <a:t>First </a:t>
             </a:r>
             <a:r>
               <a:rPr/>
@@ -3750,11 +3706,7 @@
             </a:pPr>
             <a:r>
               <a:rPr/>
-              <a:t>Third</a:t>
-            </a:r>
-            <a:r>
-              <a:rPr/>
-              <a:t> </a:t>
+              <a:t>Third </a:t>
             </a:r>
             <a:r>
               <a:rPr/>

--- a/test/pptx/blanks/just-speaker-notes/output.pptx
+++ b/test/pptx/blanks/just-speaker-notes/output.pptx
@@ -527,43 +527,83 @@
             </a:pPr>
             <a:r>
               <a:rPr/>
-              <a:t>Some </a:t>
+              <a:t>Some</a:t>
             </a:r>
             <a:r>
               <a:rPr/>
-              <a:t>notes </a:t>
+              <a:t> </a:t>
             </a:r>
             <a:r>
               <a:rPr/>
-              <a:t>here: </a:t>
+              <a:t>notes</a:t>
             </a:r>
             <a:r>
               <a:rPr/>
-              <a:t>this </a:t>
+              <a:t> </a:t>
             </a:r>
             <a:r>
               <a:rPr/>
-              <a:t>first </a:t>
+              <a:t>here:</a:t>
             </a:r>
             <a:r>
               <a:rPr/>
-              <a:t>slide </a:t>
+              <a:t> </a:t>
             </a:r>
             <a:r>
               <a:rPr/>
-              <a:t>should </a:t>
+              <a:t>this</a:t>
             </a:r>
             <a:r>
               <a:rPr/>
-              <a:t>use </a:t>
+              <a:t> </a:t>
             </a:r>
             <a:r>
               <a:rPr/>
-              <a:t>the </a:t>
+              <a:t>first</a:t>
             </a:r>
             <a:r>
               <a:rPr/>
-              <a:t>Blank </a:t>
+              <a:t> </a:t>
+            </a:r>
+            <a:r>
+              <a:rPr/>
+              <a:t>slide</a:t>
+            </a:r>
+            <a:r>
+              <a:rPr/>
+              <a:t> </a:t>
+            </a:r>
+            <a:r>
+              <a:rPr/>
+              <a:t>should</a:t>
+            </a:r>
+            <a:r>
+              <a:rPr/>
+              <a:t> </a:t>
+            </a:r>
+            <a:r>
+              <a:rPr/>
+              <a:t>use</a:t>
+            </a:r>
+            <a:r>
+              <a:rPr/>
+              <a:t> </a:t>
+            </a:r>
+            <a:r>
+              <a:rPr/>
+              <a:t>the</a:t>
+            </a:r>
+            <a:r>
+              <a:rPr/>
+              <a:t> </a:t>
+            </a:r>
+            <a:r>
+              <a:rPr/>
+              <a:t>Blank</a:t>
+            </a:r>
+            <a:r>
+              <a:rPr/>
+              <a:t> </a:t>
             </a:r>
             <a:r>
               <a:rPr/>
@@ -3608,7 +3648,11 @@
             </a:pPr>
             <a:r>
               <a:rPr/>
-              <a:t>First </a:t>
+              <a:t>First</a:t>
+            </a:r>
+            <a:r>
+              <a:rPr/>
+              <a:t> </a:t>
             </a:r>
             <a:r>
               <a:rPr/>
@@ -3706,7 +3750,11 @@
             </a:pPr>
             <a:r>
               <a:rPr/>
-              <a:t>Third </a:t>
+              <a:t>Third</a:t>
+            </a:r>
+            <a:r>
+              <a:rPr/>
+              <a:t> </a:t>
             </a:r>
             <a:r>
               <a:rPr/>

--- a/test/pptx/blanks/just-speaker-notes/output.pptx
+++ b/test/pptx/blanks/just-speaker-notes/output.pptx
@@ -12,7 +12,7 @@
     <p:sldId id="257" r:id="rId3"/>
     <p:sldId id="258" r:id="rId4"/>
   </p:sldIdLst>
-  <p:sldSz cx="9144000" cy="6858000" type="screen4x3"/>
+  <p:sldSz cx="9144000" cy="5143500" type="screen16x9"/>
   <p:notesSz cx="6858000" cy="9144000"/>
   <p:defaultTextStyle>
     <a:defPPr>
@@ -112,12 +112,12 @@
   <p:extLst>
     <p:ext uri="{EFAFB233-063F-42B5-8137-9DF3F51BA10A}">
       <p15:sldGuideLst xmlns:p15="http://schemas.microsoft.com/office/powerpoint/2012/main">
-        <p15:guide id="1" orient="horz" pos="2160">
+        <p15:guide id="1" orient="horz" pos="1620" userDrawn="1">
           <p15:clr>
             <a:srgbClr val="A4A3A4"/>
           </p15:clr>
         </p15:guide>
-        <p15:guide id="2" pos="2880">
+        <p15:guide id="2" pos="2880" userDrawn="1">
           <p15:clr>
             <a:srgbClr val="A4A3A4"/>
           </p15:clr>
@@ -210,7 +210,7 @@
           <a:p>
             <a:fld id="{0F9C1CCF-B725-44A7-AA57-5E433BD85C9F}" type="datetimeFigureOut">
               <a:rPr lang="en-US" smtClean="0"/>
-              <a:t>4/5/2019</a:t>
+              <a:t>1/2/22</a:t>
             </a:fld>
             <a:endParaRPr lang="en-US"/>
           </a:p>
@@ -228,8 +228,8 @@
         </p:nvSpPr>
         <p:spPr>
           <a:xfrm>
-            <a:off x="1371600" y="1143000"/>
-            <a:ext cx="4114800" cy="3086100"/>
+            <a:off x="685800" y="1143000"/>
+            <a:ext cx="5486400" cy="3086100"/>
           </a:xfrm>
           <a:prstGeom prst="rect">
             <a:avLst/>
@@ -274,38 +274,37 @@
           <a:p>
             <a:pPr lvl="0"/>
             <a:r>
-              <a:rPr lang="en-US" smtClean="0"/>
+              <a:rPr lang="en-US"/>
               <a:t>Click to edit Master text styles</a:t>
             </a:r>
           </a:p>
           <a:p>
             <a:pPr lvl="1"/>
             <a:r>
-              <a:rPr lang="en-US" smtClean="0"/>
+              <a:rPr lang="en-US"/>
               <a:t>Second level</a:t>
             </a:r>
           </a:p>
           <a:p>
             <a:pPr lvl="2"/>
             <a:r>
-              <a:rPr lang="en-US" smtClean="0"/>
+              <a:rPr lang="en-US"/>
               <a:t>Third level</a:t>
             </a:r>
           </a:p>
           <a:p>
             <a:pPr lvl="3"/>
             <a:r>
-              <a:rPr lang="en-US" smtClean="0"/>
+              <a:rPr lang="en-US"/>
               <a:t>Fourth level</a:t>
             </a:r>
           </a:p>
           <a:p>
             <a:pPr lvl="4"/>
             <a:r>
-              <a:rPr lang="en-US" smtClean="0"/>
+              <a:rPr lang="en-US"/>
               <a:t>Fifth level</a:t>
             </a:r>
-            <a:endParaRPr lang="en-US"/>
           </a:p>
         </p:txBody>
       </p:sp>
@@ -589,8 +588,8 @@
         </p:nvSpPr>
         <p:spPr>
           <a:xfrm>
-            <a:off x="685800" y="2130425"/>
-            <a:ext cx="7772400" cy="1470025"/>
+            <a:off x="685800" y="1597819"/>
+            <a:ext cx="7772400" cy="1102519"/>
           </a:xfrm>
         </p:spPr>
         <p:txBody>
@@ -598,10 +597,9 @@
           <a:lstStyle/>
           <a:p>
             <a:r>
-              <a:rPr lang="en-US" smtClean="0"/>
+              <a:rPr lang="en-US"/>
               <a:t>Click to edit Master title style</a:t>
             </a:r>
-            <a:endParaRPr lang="en-US"/>
           </a:p>
         </p:txBody>
       </p:sp>
@@ -617,8 +615,8 @@
         </p:nvSpPr>
         <p:spPr>
           <a:xfrm>
-            <a:off x="1371600" y="3886200"/>
-            <a:ext cx="6400800" cy="1752600"/>
+            <a:off x="1371600" y="2914650"/>
+            <a:ext cx="6400800" cy="1314450"/>
           </a:xfrm>
         </p:spPr>
         <p:txBody>
@@ -634,7 +632,7 @@
                 </a:solidFill>
               </a:defRPr>
             </a:lvl1pPr>
-            <a:lvl2pPr marL="457200" indent="0" algn="ctr">
+            <a:lvl2pPr marL="342900" indent="0" algn="ctr">
               <a:buNone/>
               <a:defRPr>
                 <a:solidFill>
@@ -644,7 +642,7 @@
                 </a:solidFill>
               </a:defRPr>
             </a:lvl2pPr>
-            <a:lvl3pPr marL="914400" indent="0" algn="ctr">
+            <a:lvl3pPr marL="685800" indent="0" algn="ctr">
               <a:buNone/>
               <a:defRPr>
                 <a:solidFill>
@@ -654,7 +652,7 @@
                 </a:solidFill>
               </a:defRPr>
             </a:lvl3pPr>
-            <a:lvl4pPr marL="1371600" indent="0" algn="ctr">
+            <a:lvl4pPr marL="1028700" indent="0" algn="ctr">
               <a:buNone/>
               <a:defRPr>
                 <a:solidFill>
@@ -664,7 +662,7 @@
                 </a:solidFill>
               </a:defRPr>
             </a:lvl4pPr>
-            <a:lvl5pPr marL="1828800" indent="0" algn="ctr">
+            <a:lvl5pPr marL="1371600" indent="0" algn="ctr">
               <a:buNone/>
               <a:defRPr>
                 <a:solidFill>
@@ -674,7 +672,7 @@
                 </a:solidFill>
               </a:defRPr>
             </a:lvl5pPr>
-            <a:lvl6pPr marL="2286000" indent="0" algn="ctr">
+            <a:lvl6pPr marL="1714500" indent="0" algn="ctr">
               <a:buNone/>
               <a:defRPr>
                 <a:solidFill>
@@ -684,7 +682,7 @@
                 </a:solidFill>
               </a:defRPr>
             </a:lvl6pPr>
-            <a:lvl7pPr marL="2743200" indent="0" algn="ctr">
+            <a:lvl7pPr marL="2057400" indent="0" algn="ctr">
               <a:buNone/>
               <a:defRPr>
                 <a:solidFill>
@@ -694,7 +692,7 @@
                 </a:solidFill>
               </a:defRPr>
             </a:lvl7pPr>
-            <a:lvl8pPr marL="3200400" indent="0" algn="ctr">
+            <a:lvl8pPr marL="2400300" indent="0" algn="ctr">
               <a:buNone/>
               <a:defRPr>
                 <a:solidFill>
@@ -704,7 +702,7 @@
                 </a:solidFill>
               </a:defRPr>
             </a:lvl8pPr>
-            <a:lvl9pPr marL="3657600" indent="0" algn="ctr">
+            <a:lvl9pPr marL="2743200" indent="0" algn="ctr">
               <a:buNone/>
               <a:defRPr>
                 <a:solidFill>
@@ -717,10 +715,9 @@
           </a:lstStyle>
           <a:p>
             <a:r>
-              <a:rPr lang="en-US" smtClean="0"/>
+              <a:rPr lang="en-US"/>
               <a:t>Click to edit Master subtitle style</a:t>
             </a:r>
-            <a:endParaRPr lang="en-US"/>
           </a:p>
         </p:txBody>
       </p:sp>
@@ -741,7 +738,7 @@
           <a:p>
             <a:fld id="{241EB5C9-1307-BA42-ABA2-0BC069CD8E7F}" type="datetimeFigureOut">
               <a:rPr lang="en-US" smtClean="0"/>
-              <a:t>4/5/2019</a:t>
+              <a:t>1/2/22</a:t>
             </a:fld>
             <a:endParaRPr lang="en-US"/>
           </a:p>
@@ -835,10 +832,9 @@
           <a:lstStyle/>
           <a:p>
             <a:r>
-              <a:rPr lang="en-US" smtClean="0"/>
+              <a:rPr lang="en-US"/>
               <a:t>Click to edit Master title style</a:t>
             </a:r>
-            <a:endParaRPr lang="en-US"/>
           </a:p>
         </p:txBody>
       </p:sp>
@@ -859,38 +855,37 @@
           <a:p>
             <a:pPr lvl="0"/>
             <a:r>
-              <a:rPr lang="en-US" smtClean="0"/>
+              <a:rPr lang="en-US"/>
               <a:t>Click to edit Master text styles</a:t>
             </a:r>
           </a:p>
           <a:p>
             <a:pPr lvl="1"/>
             <a:r>
-              <a:rPr lang="en-US" smtClean="0"/>
+              <a:rPr lang="en-US"/>
               <a:t>Second level</a:t>
             </a:r>
           </a:p>
           <a:p>
             <a:pPr lvl="2"/>
             <a:r>
-              <a:rPr lang="en-US" smtClean="0"/>
+              <a:rPr lang="en-US"/>
               <a:t>Third level</a:t>
             </a:r>
           </a:p>
           <a:p>
             <a:pPr lvl="3"/>
             <a:r>
-              <a:rPr lang="en-US" smtClean="0"/>
+              <a:rPr lang="en-US"/>
               <a:t>Fourth level</a:t>
             </a:r>
           </a:p>
           <a:p>
             <a:pPr lvl="4"/>
             <a:r>
-              <a:rPr lang="en-US" smtClean="0"/>
+              <a:rPr lang="en-US"/>
               <a:t>Fifth level</a:t>
             </a:r>
-            <a:endParaRPr lang="en-US"/>
           </a:p>
         </p:txBody>
       </p:sp>
@@ -911,7 +906,7 @@
           <a:p>
             <a:fld id="{241EB5C9-1307-BA42-ABA2-0BC069CD8E7F}" type="datetimeFigureOut">
               <a:rPr lang="en-US" smtClean="0"/>
-              <a:t>4/5/2019</a:t>
+              <a:t>1/2/22</a:t>
             </a:fld>
             <a:endParaRPr lang="en-US"/>
           </a:p>
@@ -1001,8 +996,8 @@
         </p:nvSpPr>
         <p:spPr>
           <a:xfrm>
-            <a:off x="6629400" y="274638"/>
-            <a:ext cx="2057400" cy="5851525"/>
+            <a:off x="6629400" y="205979"/>
+            <a:ext cx="2057400" cy="4388644"/>
           </a:xfrm>
         </p:spPr>
         <p:txBody>
@@ -1010,10 +1005,9 @@
           <a:lstStyle/>
           <a:p>
             <a:r>
-              <a:rPr lang="en-US" smtClean="0"/>
+              <a:rPr lang="en-US"/>
               <a:t>Click to edit Master title style</a:t>
             </a:r>
-            <a:endParaRPr lang="en-US"/>
           </a:p>
         </p:txBody>
       </p:sp>
@@ -1029,8 +1023,8 @@
         </p:nvSpPr>
         <p:spPr>
           <a:xfrm>
-            <a:off x="457200" y="274638"/>
-            <a:ext cx="6019800" cy="5851525"/>
+            <a:off x="457200" y="205979"/>
+            <a:ext cx="6019800" cy="4388644"/>
           </a:xfrm>
         </p:spPr>
         <p:txBody>
@@ -1039,38 +1033,37 @@
           <a:p>
             <a:pPr lvl="0"/>
             <a:r>
-              <a:rPr lang="en-US" smtClean="0"/>
+              <a:rPr lang="en-US"/>
               <a:t>Click to edit Master text styles</a:t>
             </a:r>
           </a:p>
           <a:p>
             <a:pPr lvl="1"/>
             <a:r>
-              <a:rPr lang="en-US" smtClean="0"/>
+              <a:rPr lang="en-US"/>
               <a:t>Second level</a:t>
             </a:r>
           </a:p>
           <a:p>
             <a:pPr lvl="2"/>
             <a:r>
-              <a:rPr lang="en-US" smtClean="0"/>
+              <a:rPr lang="en-US"/>
               <a:t>Third level</a:t>
             </a:r>
           </a:p>
           <a:p>
             <a:pPr lvl="3"/>
             <a:r>
-              <a:rPr lang="en-US" smtClean="0"/>
+              <a:rPr lang="en-US"/>
               <a:t>Fourth level</a:t>
             </a:r>
           </a:p>
           <a:p>
             <a:pPr lvl="4"/>
             <a:r>
-              <a:rPr lang="en-US" smtClean="0"/>
+              <a:rPr lang="en-US"/>
               <a:t>Fifth level</a:t>
             </a:r>
-            <a:endParaRPr lang="en-US"/>
           </a:p>
         </p:txBody>
       </p:sp>
@@ -1091,7 +1084,7 @@
           <a:p>
             <a:fld id="{241EB5C9-1307-BA42-ABA2-0BC069CD8E7F}" type="datetimeFigureOut">
               <a:rPr lang="en-US" smtClean="0"/>
-              <a:t>4/5/2019</a:t>
+              <a:t>1/2/22</a:t>
             </a:fld>
             <a:endParaRPr lang="en-US"/>
           </a:p>
@@ -1185,10 +1178,9 @@
           <a:lstStyle/>
           <a:p>
             <a:r>
-              <a:rPr lang="en-US" smtClean="0"/>
+              <a:rPr lang="en-US"/>
               <a:t>Click to edit Master title style</a:t>
             </a:r>
-            <a:endParaRPr lang="en-US"/>
           </a:p>
         </p:txBody>
       </p:sp>
@@ -1209,38 +1201,37 @@
           <a:p>
             <a:pPr lvl="0"/>
             <a:r>
-              <a:rPr lang="en-US" smtClean="0"/>
+              <a:rPr lang="en-US"/>
               <a:t>Click to edit Master text styles</a:t>
             </a:r>
           </a:p>
           <a:p>
             <a:pPr lvl="1"/>
             <a:r>
-              <a:rPr lang="en-US" smtClean="0"/>
+              <a:rPr lang="en-US"/>
               <a:t>Second level</a:t>
             </a:r>
           </a:p>
           <a:p>
             <a:pPr lvl="2"/>
             <a:r>
-              <a:rPr lang="en-US" smtClean="0"/>
+              <a:rPr lang="en-US"/>
               <a:t>Third level</a:t>
             </a:r>
           </a:p>
           <a:p>
             <a:pPr lvl="3"/>
             <a:r>
-              <a:rPr lang="en-US" smtClean="0"/>
+              <a:rPr lang="en-US"/>
               <a:t>Fourth level</a:t>
             </a:r>
           </a:p>
           <a:p>
             <a:pPr lvl="4"/>
             <a:r>
-              <a:rPr lang="en-US" smtClean="0"/>
+              <a:rPr lang="en-US"/>
               <a:t>Fifth level</a:t>
             </a:r>
-            <a:endParaRPr lang="en-US"/>
           </a:p>
         </p:txBody>
       </p:sp>
@@ -1261,7 +1252,7 @@
           <a:p>
             <a:fld id="{241EB5C9-1307-BA42-ABA2-0BC069CD8E7F}" type="datetimeFigureOut">
               <a:rPr lang="en-US" smtClean="0"/>
-              <a:t>4/5/2019</a:t>
+              <a:t>1/2/22</a:t>
             </a:fld>
             <a:endParaRPr lang="en-US"/>
           </a:p>
@@ -1351,23 +1342,22 @@
         </p:nvSpPr>
         <p:spPr>
           <a:xfrm>
-            <a:off x="722313" y="4406900"/>
-            <a:ext cx="7772400" cy="1362075"/>
+            <a:off x="722313" y="3305176"/>
+            <a:ext cx="7772400" cy="1021556"/>
           </a:xfrm>
         </p:spPr>
         <p:txBody>
           <a:bodyPr anchor="t"/>
           <a:lstStyle>
             <a:lvl1pPr algn="l">
-              <a:defRPr sz="4000" b="1" cap="all"/>
+              <a:defRPr sz="3000" b="1" cap="all"/>
             </a:lvl1pPr>
           </a:lstStyle>
           <a:p>
             <a:r>
-              <a:rPr lang="en-US" smtClean="0"/>
+              <a:rPr lang="en-US"/>
               <a:t>Click to edit Master title style</a:t>
             </a:r>
-            <a:endParaRPr lang="en-US"/>
           </a:p>
         </p:txBody>
       </p:sp>
@@ -1383,8 +1373,8 @@
         </p:nvSpPr>
         <p:spPr>
           <a:xfrm>
-            <a:off x="722313" y="2906713"/>
-            <a:ext cx="7772400" cy="1500187"/>
+            <a:off x="722313" y="2180035"/>
+            <a:ext cx="7772400" cy="1125140"/>
           </a:xfrm>
         </p:spPr>
         <p:txBody>
@@ -1392,7 +1382,7 @@
           <a:lstStyle>
             <a:lvl1pPr marL="0" indent="0">
               <a:buNone/>
-              <a:defRPr sz="2000">
+              <a:defRPr sz="1500">
                 <a:solidFill>
                   <a:schemeClr val="tx1">
                     <a:tint val="75000"/>
@@ -1400,9 +1390,9 @@
                 </a:solidFill>
               </a:defRPr>
             </a:lvl1pPr>
-            <a:lvl2pPr marL="457200" indent="0">
-              <a:buNone/>
-              <a:defRPr sz="1800">
+            <a:lvl2pPr marL="342900" indent="0">
+              <a:buNone/>
+              <a:defRPr sz="1350">
                 <a:solidFill>
                   <a:schemeClr val="tx1">
                     <a:tint val="75000"/>
@@ -1410,9 +1400,9 @@
                 </a:solidFill>
               </a:defRPr>
             </a:lvl2pPr>
-            <a:lvl3pPr marL="914400" indent="0">
-              <a:buNone/>
-              <a:defRPr sz="1600">
+            <a:lvl3pPr marL="685800" indent="0">
+              <a:buNone/>
+              <a:defRPr sz="1200">
                 <a:solidFill>
                   <a:schemeClr val="tx1">
                     <a:tint val="75000"/>
@@ -1420,9 +1410,9 @@
                 </a:solidFill>
               </a:defRPr>
             </a:lvl3pPr>
-            <a:lvl4pPr marL="1371600" indent="0">
-              <a:buNone/>
-              <a:defRPr sz="1400">
+            <a:lvl4pPr marL="1028700" indent="0">
+              <a:buNone/>
+              <a:defRPr sz="1050">
                 <a:solidFill>
                   <a:schemeClr val="tx1">
                     <a:tint val="75000"/>
@@ -1430,9 +1420,9 @@
                 </a:solidFill>
               </a:defRPr>
             </a:lvl4pPr>
-            <a:lvl5pPr marL="1828800" indent="0">
-              <a:buNone/>
-              <a:defRPr sz="1400">
+            <a:lvl5pPr marL="1371600" indent="0">
+              <a:buNone/>
+              <a:defRPr sz="1050">
                 <a:solidFill>
                   <a:schemeClr val="tx1">
                     <a:tint val="75000"/>
@@ -1440,9 +1430,9 @@
                 </a:solidFill>
               </a:defRPr>
             </a:lvl5pPr>
-            <a:lvl6pPr marL="2286000" indent="0">
-              <a:buNone/>
-              <a:defRPr sz="1400">
+            <a:lvl6pPr marL="1714500" indent="0">
+              <a:buNone/>
+              <a:defRPr sz="1050">
                 <a:solidFill>
                   <a:schemeClr val="tx1">
                     <a:tint val="75000"/>
@@ -1450,9 +1440,9 @@
                 </a:solidFill>
               </a:defRPr>
             </a:lvl6pPr>
-            <a:lvl7pPr marL="2743200" indent="0">
-              <a:buNone/>
-              <a:defRPr sz="1400">
+            <a:lvl7pPr marL="2057400" indent="0">
+              <a:buNone/>
+              <a:defRPr sz="1050">
                 <a:solidFill>
                   <a:schemeClr val="tx1">
                     <a:tint val="75000"/>
@@ -1460,9 +1450,9 @@
                 </a:solidFill>
               </a:defRPr>
             </a:lvl7pPr>
-            <a:lvl8pPr marL="3200400" indent="0">
-              <a:buNone/>
-              <a:defRPr sz="1400">
+            <a:lvl8pPr marL="2400300" indent="0">
+              <a:buNone/>
+              <a:defRPr sz="1050">
                 <a:solidFill>
                   <a:schemeClr val="tx1">
                     <a:tint val="75000"/>
@@ -1470,9 +1460,9 @@
                 </a:solidFill>
               </a:defRPr>
             </a:lvl8pPr>
-            <a:lvl9pPr marL="3657600" indent="0">
-              <a:buNone/>
-              <a:defRPr sz="1400">
+            <a:lvl9pPr marL="2743200" indent="0">
+              <a:buNone/>
+              <a:defRPr sz="1050">
                 <a:solidFill>
                   <a:schemeClr val="tx1">
                     <a:tint val="75000"/>
@@ -1484,7 +1474,7 @@
           <a:p>
             <a:pPr lvl="0"/>
             <a:r>
-              <a:rPr lang="en-US" smtClean="0"/>
+              <a:rPr lang="en-US"/>
               <a:t>Click to edit Master text styles</a:t>
             </a:r>
           </a:p>
@@ -1507,7 +1497,7 @@
           <a:p>
             <a:fld id="{241EB5C9-1307-BA42-ABA2-0BC069CD8E7F}" type="datetimeFigureOut">
               <a:rPr lang="en-US" smtClean="0"/>
-              <a:t>4/5/2019</a:t>
+              <a:t>1/2/22</a:t>
             </a:fld>
             <a:endParaRPr lang="en-US"/>
           </a:p>
@@ -1601,10 +1591,9 @@
           <a:lstStyle/>
           <a:p>
             <a:r>
-              <a:rPr lang="en-US" smtClean="0"/>
+              <a:rPr lang="en-US"/>
               <a:t>Click to edit Master title style</a:t>
             </a:r>
-            <a:endParaRPr lang="en-US"/>
           </a:p>
         </p:txBody>
       </p:sp>
@@ -1620,76 +1609,75 @@
         </p:nvSpPr>
         <p:spPr>
           <a:xfrm>
-            <a:off x="457200" y="1600200"/>
-            <a:ext cx="4038600" cy="4525963"/>
+            <a:off x="457200" y="1200151"/>
+            <a:ext cx="4038600" cy="3394472"/>
           </a:xfrm>
         </p:spPr>
         <p:txBody>
           <a:bodyPr/>
           <a:lstStyle>
             <a:lvl1pPr>
-              <a:defRPr sz="2800"/>
+              <a:defRPr sz="2100"/>
             </a:lvl1pPr>
             <a:lvl2pPr>
-              <a:defRPr sz="2400"/>
+              <a:defRPr sz="1800"/>
             </a:lvl2pPr>
             <a:lvl3pPr>
-              <a:defRPr sz="2000"/>
+              <a:defRPr sz="1500"/>
             </a:lvl3pPr>
             <a:lvl4pPr>
-              <a:defRPr sz="1800"/>
+              <a:defRPr sz="1350"/>
             </a:lvl4pPr>
             <a:lvl5pPr>
-              <a:defRPr sz="1800"/>
+              <a:defRPr sz="1350"/>
             </a:lvl5pPr>
             <a:lvl6pPr>
-              <a:defRPr sz="1800"/>
+              <a:defRPr sz="1350"/>
             </a:lvl6pPr>
             <a:lvl7pPr>
-              <a:defRPr sz="1800"/>
+              <a:defRPr sz="1350"/>
             </a:lvl7pPr>
             <a:lvl8pPr>
-              <a:defRPr sz="1800"/>
+              <a:defRPr sz="1350"/>
             </a:lvl8pPr>
             <a:lvl9pPr>
-              <a:defRPr sz="1800"/>
+              <a:defRPr sz="1350"/>
             </a:lvl9pPr>
           </a:lstStyle>
           <a:p>
             <a:pPr lvl="0"/>
             <a:r>
-              <a:rPr lang="en-US" smtClean="0"/>
+              <a:rPr lang="en-US"/>
               <a:t>Click to edit Master text styles</a:t>
             </a:r>
           </a:p>
           <a:p>
             <a:pPr lvl="1"/>
             <a:r>
-              <a:rPr lang="en-US" smtClean="0"/>
+              <a:rPr lang="en-US"/>
               <a:t>Second level</a:t>
             </a:r>
           </a:p>
           <a:p>
             <a:pPr lvl="2"/>
             <a:r>
-              <a:rPr lang="en-US" smtClean="0"/>
+              <a:rPr lang="en-US"/>
               <a:t>Third level</a:t>
             </a:r>
           </a:p>
           <a:p>
             <a:pPr lvl="3"/>
             <a:r>
-              <a:rPr lang="en-US" smtClean="0"/>
+              <a:rPr lang="en-US"/>
               <a:t>Fourth level</a:t>
             </a:r>
           </a:p>
           <a:p>
             <a:pPr lvl="4"/>
             <a:r>
-              <a:rPr lang="en-US" smtClean="0"/>
+              <a:rPr lang="en-US"/>
               <a:t>Fifth level</a:t>
             </a:r>
-            <a:endParaRPr lang="en-US"/>
           </a:p>
         </p:txBody>
       </p:sp>
@@ -1705,76 +1693,75 @@
         </p:nvSpPr>
         <p:spPr>
           <a:xfrm>
-            <a:off x="4648200" y="1600200"/>
-            <a:ext cx="4038600" cy="4525963"/>
+            <a:off x="4648200" y="1200151"/>
+            <a:ext cx="4038600" cy="3394472"/>
           </a:xfrm>
         </p:spPr>
         <p:txBody>
           <a:bodyPr/>
           <a:lstStyle>
             <a:lvl1pPr>
-              <a:defRPr sz="2800"/>
+              <a:defRPr sz="2100"/>
             </a:lvl1pPr>
             <a:lvl2pPr>
-              <a:defRPr sz="2400"/>
+              <a:defRPr sz="1800"/>
             </a:lvl2pPr>
             <a:lvl3pPr>
-              <a:defRPr sz="2000"/>
+              <a:defRPr sz="1500"/>
             </a:lvl3pPr>
             <a:lvl4pPr>
-              <a:defRPr sz="1800"/>
+              <a:defRPr sz="1350"/>
             </a:lvl4pPr>
             <a:lvl5pPr>
-              <a:defRPr sz="1800"/>
+              <a:defRPr sz="1350"/>
             </a:lvl5pPr>
             <a:lvl6pPr>
-              <a:defRPr sz="1800"/>
+              <a:defRPr sz="1350"/>
             </a:lvl6pPr>
             <a:lvl7pPr>
-              <a:defRPr sz="1800"/>
+              <a:defRPr sz="1350"/>
             </a:lvl7pPr>
             <a:lvl8pPr>
-              <a:defRPr sz="1800"/>
+              <a:defRPr sz="1350"/>
             </a:lvl8pPr>
             <a:lvl9pPr>
-              <a:defRPr sz="1800"/>
+              <a:defRPr sz="1350"/>
             </a:lvl9pPr>
           </a:lstStyle>
           <a:p>
             <a:pPr lvl="0"/>
             <a:r>
-              <a:rPr lang="en-US" smtClean="0"/>
+              <a:rPr lang="en-US"/>
               <a:t>Click to edit Master text styles</a:t>
             </a:r>
           </a:p>
           <a:p>
             <a:pPr lvl="1"/>
             <a:r>
-              <a:rPr lang="en-US" smtClean="0"/>
+              <a:rPr lang="en-US"/>
               <a:t>Second level</a:t>
             </a:r>
           </a:p>
           <a:p>
             <a:pPr lvl="2"/>
             <a:r>
-              <a:rPr lang="en-US" smtClean="0"/>
+              <a:rPr lang="en-US"/>
               <a:t>Third level</a:t>
             </a:r>
           </a:p>
           <a:p>
             <a:pPr lvl="3"/>
             <a:r>
-              <a:rPr lang="en-US" smtClean="0"/>
+              <a:rPr lang="en-US"/>
               <a:t>Fourth level</a:t>
             </a:r>
           </a:p>
           <a:p>
             <a:pPr lvl="4"/>
             <a:r>
-              <a:rPr lang="en-US" smtClean="0"/>
+              <a:rPr lang="en-US"/>
               <a:t>Fifth level</a:t>
             </a:r>
-            <a:endParaRPr lang="en-US"/>
           </a:p>
         </p:txBody>
       </p:sp>
@@ -1795,7 +1782,7 @@
           <a:p>
             <a:fld id="{241EB5C9-1307-BA42-ABA2-0BC069CD8E7F}" type="datetimeFigureOut">
               <a:rPr lang="en-US" smtClean="0"/>
-              <a:t>4/5/2019</a:t>
+              <a:t>1/2/22</a:t>
             </a:fld>
             <a:endParaRPr lang="en-US"/>
           </a:p>
@@ -1893,10 +1880,9 @@
           </a:lstStyle>
           <a:p>
             <a:r>
-              <a:rPr lang="en-US" smtClean="0"/>
+              <a:rPr lang="en-US"/>
               <a:t>Click to edit Master title style</a:t>
             </a:r>
-            <a:endParaRPr lang="en-US"/>
           </a:p>
         </p:txBody>
       </p:sp>
@@ -1912,8 +1898,8 @@
         </p:nvSpPr>
         <p:spPr>
           <a:xfrm>
-            <a:off x="457200" y="1535113"/>
-            <a:ext cx="4040188" cy="639762"/>
+            <a:off x="457200" y="1151335"/>
+            <a:ext cx="4040188" cy="479822"/>
           </a:xfrm>
         </p:spPr>
         <p:txBody>
@@ -1921,45 +1907,45 @@
           <a:lstStyle>
             <a:lvl1pPr marL="0" indent="0">
               <a:buNone/>
-              <a:defRPr sz="2400" b="1"/>
+              <a:defRPr sz="1800" b="1"/>
             </a:lvl1pPr>
-            <a:lvl2pPr marL="457200" indent="0">
-              <a:buNone/>
-              <a:defRPr sz="2000" b="1"/>
+            <a:lvl2pPr marL="342900" indent="0">
+              <a:buNone/>
+              <a:defRPr sz="1500" b="1"/>
             </a:lvl2pPr>
-            <a:lvl3pPr marL="914400" indent="0">
-              <a:buNone/>
-              <a:defRPr sz="1800" b="1"/>
+            <a:lvl3pPr marL="685800" indent="0">
+              <a:buNone/>
+              <a:defRPr sz="1350" b="1"/>
             </a:lvl3pPr>
-            <a:lvl4pPr marL="1371600" indent="0">
-              <a:buNone/>
-              <a:defRPr sz="1600" b="1"/>
+            <a:lvl4pPr marL="1028700" indent="0">
+              <a:buNone/>
+              <a:defRPr sz="1200" b="1"/>
             </a:lvl4pPr>
-            <a:lvl5pPr marL="1828800" indent="0">
-              <a:buNone/>
-              <a:defRPr sz="1600" b="1"/>
+            <a:lvl5pPr marL="1371600" indent="0">
+              <a:buNone/>
+              <a:defRPr sz="1200" b="1"/>
             </a:lvl5pPr>
-            <a:lvl6pPr marL="2286000" indent="0">
-              <a:buNone/>
-              <a:defRPr sz="1600" b="1"/>
+            <a:lvl6pPr marL="1714500" indent="0">
+              <a:buNone/>
+              <a:defRPr sz="1200" b="1"/>
             </a:lvl6pPr>
-            <a:lvl7pPr marL="2743200" indent="0">
-              <a:buNone/>
-              <a:defRPr sz="1600" b="1"/>
+            <a:lvl7pPr marL="2057400" indent="0">
+              <a:buNone/>
+              <a:defRPr sz="1200" b="1"/>
             </a:lvl7pPr>
-            <a:lvl8pPr marL="3200400" indent="0">
-              <a:buNone/>
-              <a:defRPr sz="1600" b="1"/>
+            <a:lvl8pPr marL="2400300" indent="0">
+              <a:buNone/>
+              <a:defRPr sz="1200" b="1"/>
             </a:lvl8pPr>
-            <a:lvl9pPr marL="3657600" indent="0">
-              <a:buNone/>
-              <a:defRPr sz="1600" b="1"/>
+            <a:lvl9pPr marL="2743200" indent="0">
+              <a:buNone/>
+              <a:defRPr sz="1200" b="1"/>
             </a:lvl9pPr>
           </a:lstStyle>
           <a:p>
             <a:pPr lvl="0"/>
             <a:r>
-              <a:rPr lang="en-US" smtClean="0"/>
+              <a:rPr lang="en-US"/>
               <a:t>Click to edit Master text styles</a:t>
             </a:r>
           </a:p>
@@ -1977,76 +1963,75 @@
         </p:nvSpPr>
         <p:spPr>
           <a:xfrm>
-            <a:off x="457200" y="2174875"/>
-            <a:ext cx="4040188" cy="3951288"/>
+            <a:off x="457200" y="1631156"/>
+            <a:ext cx="4040188" cy="2963466"/>
           </a:xfrm>
         </p:spPr>
         <p:txBody>
           <a:bodyPr/>
           <a:lstStyle>
             <a:lvl1pPr>
-              <a:defRPr sz="2400"/>
+              <a:defRPr sz="1800"/>
             </a:lvl1pPr>
             <a:lvl2pPr>
-              <a:defRPr sz="2000"/>
+              <a:defRPr sz="1500"/>
             </a:lvl2pPr>
             <a:lvl3pPr>
-              <a:defRPr sz="1800"/>
+              <a:defRPr sz="1350"/>
             </a:lvl3pPr>
             <a:lvl4pPr>
-              <a:defRPr sz="1600"/>
+              <a:defRPr sz="1200"/>
             </a:lvl4pPr>
             <a:lvl5pPr>
-              <a:defRPr sz="1600"/>
+              <a:defRPr sz="1200"/>
             </a:lvl5pPr>
             <a:lvl6pPr>
-              <a:defRPr sz="1600"/>
+              <a:defRPr sz="1200"/>
             </a:lvl6pPr>
             <a:lvl7pPr>
-              <a:defRPr sz="1600"/>
+              <a:defRPr sz="1200"/>
             </a:lvl7pPr>
             <a:lvl8pPr>
-              <a:defRPr sz="1600"/>
+              <a:defRPr sz="1200"/>
             </a:lvl8pPr>
             <a:lvl9pPr>
-              <a:defRPr sz="1600"/>
+              <a:defRPr sz="1200"/>
             </a:lvl9pPr>
           </a:lstStyle>
           <a:p>
             <a:pPr lvl="0"/>
             <a:r>
-              <a:rPr lang="en-US" smtClean="0"/>
+              <a:rPr lang="en-US"/>
               <a:t>Click to edit Master text styles</a:t>
             </a:r>
           </a:p>
           <a:p>
             <a:pPr lvl="1"/>
             <a:r>
-              <a:rPr lang="en-US" smtClean="0"/>
+              <a:rPr lang="en-US"/>
               <a:t>Second level</a:t>
             </a:r>
           </a:p>
           <a:p>
             <a:pPr lvl="2"/>
             <a:r>
-              <a:rPr lang="en-US" smtClean="0"/>
+              <a:rPr lang="en-US"/>
               <a:t>Third level</a:t>
             </a:r>
           </a:p>
           <a:p>
             <a:pPr lvl="3"/>
             <a:r>
-              <a:rPr lang="en-US" smtClean="0"/>
+              <a:rPr lang="en-US"/>
               <a:t>Fourth level</a:t>
             </a:r>
           </a:p>
           <a:p>
             <a:pPr lvl="4"/>
             <a:r>
-              <a:rPr lang="en-US" smtClean="0"/>
+              <a:rPr lang="en-US"/>
               <a:t>Fifth level</a:t>
             </a:r>
-            <a:endParaRPr lang="en-US"/>
           </a:p>
         </p:txBody>
       </p:sp>
@@ -2062,8 +2047,8 @@
         </p:nvSpPr>
         <p:spPr>
           <a:xfrm>
-            <a:off x="4645025" y="1535113"/>
-            <a:ext cx="4041775" cy="639762"/>
+            <a:off x="4645026" y="1151335"/>
+            <a:ext cx="4041775" cy="479822"/>
           </a:xfrm>
         </p:spPr>
         <p:txBody>
@@ -2071,45 +2056,45 @@
           <a:lstStyle>
             <a:lvl1pPr marL="0" indent="0">
               <a:buNone/>
-              <a:defRPr sz="2400" b="1"/>
+              <a:defRPr sz="1800" b="1"/>
             </a:lvl1pPr>
-            <a:lvl2pPr marL="457200" indent="0">
-              <a:buNone/>
-              <a:defRPr sz="2000" b="1"/>
+            <a:lvl2pPr marL="342900" indent="0">
+              <a:buNone/>
+              <a:defRPr sz="1500" b="1"/>
             </a:lvl2pPr>
-            <a:lvl3pPr marL="914400" indent="0">
-              <a:buNone/>
-              <a:defRPr sz="1800" b="1"/>
+            <a:lvl3pPr marL="685800" indent="0">
+              <a:buNone/>
+              <a:defRPr sz="1350" b="1"/>
             </a:lvl3pPr>
-            <a:lvl4pPr marL="1371600" indent="0">
-              <a:buNone/>
-              <a:defRPr sz="1600" b="1"/>
+            <a:lvl4pPr marL="1028700" indent="0">
+              <a:buNone/>
+              <a:defRPr sz="1200" b="1"/>
             </a:lvl4pPr>
-            <a:lvl5pPr marL="1828800" indent="0">
-              <a:buNone/>
-              <a:defRPr sz="1600" b="1"/>
+            <a:lvl5pPr marL="1371600" indent="0">
+              <a:buNone/>
+              <a:defRPr sz="1200" b="1"/>
             </a:lvl5pPr>
-            <a:lvl6pPr marL="2286000" indent="0">
-              <a:buNone/>
-              <a:defRPr sz="1600" b="1"/>
+            <a:lvl6pPr marL="1714500" indent="0">
+              <a:buNone/>
+              <a:defRPr sz="1200" b="1"/>
             </a:lvl6pPr>
-            <a:lvl7pPr marL="2743200" indent="0">
-              <a:buNone/>
-              <a:defRPr sz="1600" b="1"/>
+            <a:lvl7pPr marL="2057400" indent="0">
+              <a:buNone/>
+              <a:defRPr sz="1200" b="1"/>
             </a:lvl7pPr>
-            <a:lvl8pPr marL="3200400" indent="0">
-              <a:buNone/>
-              <a:defRPr sz="1600" b="1"/>
+            <a:lvl8pPr marL="2400300" indent="0">
+              <a:buNone/>
+              <a:defRPr sz="1200" b="1"/>
             </a:lvl8pPr>
-            <a:lvl9pPr marL="3657600" indent="0">
-              <a:buNone/>
-              <a:defRPr sz="1600" b="1"/>
+            <a:lvl9pPr marL="2743200" indent="0">
+              <a:buNone/>
+              <a:defRPr sz="1200" b="1"/>
             </a:lvl9pPr>
           </a:lstStyle>
           <a:p>
             <a:pPr lvl="0"/>
             <a:r>
-              <a:rPr lang="en-US" smtClean="0"/>
+              <a:rPr lang="en-US"/>
               <a:t>Click to edit Master text styles</a:t>
             </a:r>
           </a:p>
@@ -2127,76 +2112,75 @@
         </p:nvSpPr>
         <p:spPr>
           <a:xfrm>
-            <a:off x="4645025" y="2174875"/>
-            <a:ext cx="4041775" cy="3951288"/>
+            <a:off x="4645026" y="1631156"/>
+            <a:ext cx="4041775" cy="2963466"/>
           </a:xfrm>
         </p:spPr>
         <p:txBody>
           <a:bodyPr/>
           <a:lstStyle>
             <a:lvl1pPr>
-              <a:defRPr sz="2400"/>
+              <a:defRPr sz="1800"/>
             </a:lvl1pPr>
             <a:lvl2pPr>
-              <a:defRPr sz="2000"/>
+              <a:defRPr sz="1500"/>
             </a:lvl2pPr>
             <a:lvl3pPr>
-              <a:defRPr sz="1800"/>
+              <a:defRPr sz="1350"/>
             </a:lvl3pPr>
             <a:lvl4pPr>
-              <a:defRPr sz="1600"/>
+              <a:defRPr sz="1200"/>
             </a:lvl4pPr>
             <a:lvl5pPr>
-              <a:defRPr sz="1600"/>
+              <a:defRPr sz="1200"/>
             </a:lvl5pPr>
             <a:lvl6pPr>
-              <a:defRPr sz="1600"/>
+              <a:defRPr sz="1200"/>
             </a:lvl6pPr>
             <a:lvl7pPr>
-              <a:defRPr sz="1600"/>
+              <a:defRPr sz="1200"/>
             </a:lvl7pPr>
             <a:lvl8pPr>
-              <a:defRPr sz="1600"/>
+              <a:defRPr sz="1200"/>
             </a:lvl8pPr>
             <a:lvl9pPr>
-              <a:defRPr sz="1600"/>
+              <a:defRPr sz="1200"/>
             </a:lvl9pPr>
           </a:lstStyle>
           <a:p>
             <a:pPr lvl="0"/>
             <a:r>
-              <a:rPr lang="en-US" smtClean="0"/>
+              <a:rPr lang="en-US"/>
               <a:t>Click to edit Master text styles</a:t>
             </a:r>
           </a:p>
           <a:p>
             <a:pPr lvl="1"/>
             <a:r>
-              <a:rPr lang="en-US" smtClean="0"/>
+              <a:rPr lang="en-US"/>
               <a:t>Second level</a:t>
             </a:r>
           </a:p>
           <a:p>
             <a:pPr lvl="2"/>
             <a:r>
-              <a:rPr lang="en-US" smtClean="0"/>
+              <a:rPr lang="en-US"/>
               <a:t>Third level</a:t>
             </a:r>
           </a:p>
           <a:p>
             <a:pPr lvl="3"/>
             <a:r>
-              <a:rPr lang="en-US" smtClean="0"/>
+              <a:rPr lang="en-US"/>
               <a:t>Fourth level</a:t>
             </a:r>
           </a:p>
           <a:p>
             <a:pPr lvl="4"/>
             <a:r>
-              <a:rPr lang="en-US" smtClean="0"/>
+              <a:rPr lang="en-US"/>
               <a:t>Fifth level</a:t>
             </a:r>
-            <a:endParaRPr lang="en-US"/>
           </a:p>
         </p:txBody>
       </p:sp>
@@ -2217,7 +2201,7 @@
           <a:p>
             <a:fld id="{241EB5C9-1307-BA42-ABA2-0BC069CD8E7F}" type="datetimeFigureOut">
               <a:rPr lang="en-US" smtClean="0"/>
-              <a:t>4/5/2019</a:t>
+              <a:t>1/2/22</a:t>
             </a:fld>
             <a:endParaRPr lang="en-US"/>
           </a:p>
@@ -2311,10 +2295,9 @@
           <a:lstStyle/>
           <a:p>
             <a:r>
-              <a:rPr lang="en-US" smtClean="0"/>
+              <a:rPr lang="en-US"/>
               <a:t>Click to edit Master title style</a:t>
             </a:r>
-            <a:endParaRPr lang="en-US"/>
           </a:p>
         </p:txBody>
       </p:sp>
@@ -2335,7 +2318,7 @@
           <a:p>
             <a:fld id="{241EB5C9-1307-BA42-ABA2-0BC069CD8E7F}" type="datetimeFigureOut">
               <a:rPr lang="en-US" smtClean="0"/>
-              <a:t>4/5/2019</a:t>
+              <a:t>1/2/22</a:t>
             </a:fld>
             <a:endParaRPr lang="en-US"/>
           </a:p>
@@ -2430,7 +2413,7 @@
           <a:p>
             <a:fld id="{241EB5C9-1307-BA42-ABA2-0BC069CD8E7F}" type="datetimeFigureOut">
               <a:rPr lang="en-US" smtClean="0"/>
-              <a:t>4/5/2019</a:t>
+              <a:t>1/2/22</a:t>
             </a:fld>
             <a:endParaRPr lang="en-US"/>
           </a:p>
@@ -2520,23 +2503,22 @@
         </p:nvSpPr>
         <p:spPr>
           <a:xfrm>
-            <a:off x="457200" y="273050"/>
-            <a:ext cx="3008313" cy="1162050"/>
+            <a:off x="457201" y="204787"/>
+            <a:ext cx="3008313" cy="871538"/>
           </a:xfrm>
         </p:spPr>
         <p:txBody>
           <a:bodyPr anchor="b"/>
           <a:lstStyle>
             <a:lvl1pPr algn="l">
-              <a:defRPr sz="2000" b="1"/>
+              <a:defRPr sz="1500" b="1"/>
             </a:lvl1pPr>
           </a:lstStyle>
           <a:p>
             <a:r>
-              <a:rPr lang="en-US" smtClean="0"/>
+              <a:rPr lang="en-US"/>
               <a:t>Click to edit Master title style</a:t>
             </a:r>
-            <a:endParaRPr lang="en-US"/>
           </a:p>
         </p:txBody>
       </p:sp>
@@ -2552,76 +2534,75 @@
         </p:nvSpPr>
         <p:spPr>
           <a:xfrm>
-            <a:off x="3575050" y="273050"/>
-            <a:ext cx="5111750" cy="5853113"/>
+            <a:off x="3575050" y="204788"/>
+            <a:ext cx="5111750" cy="4389835"/>
           </a:xfrm>
         </p:spPr>
         <p:txBody>
           <a:bodyPr/>
           <a:lstStyle>
             <a:lvl1pPr>
-              <a:defRPr sz="3200"/>
+              <a:defRPr sz="2400"/>
             </a:lvl1pPr>
             <a:lvl2pPr>
-              <a:defRPr sz="2800"/>
+              <a:defRPr sz="2100"/>
             </a:lvl2pPr>
             <a:lvl3pPr>
-              <a:defRPr sz="2400"/>
+              <a:defRPr sz="1800"/>
             </a:lvl3pPr>
             <a:lvl4pPr>
-              <a:defRPr sz="2000"/>
+              <a:defRPr sz="1500"/>
             </a:lvl4pPr>
             <a:lvl5pPr>
-              <a:defRPr sz="2000"/>
+              <a:defRPr sz="1500"/>
             </a:lvl5pPr>
             <a:lvl6pPr>
-              <a:defRPr sz="2000"/>
+              <a:defRPr sz="1500"/>
             </a:lvl6pPr>
             <a:lvl7pPr>
-              <a:defRPr sz="2000"/>
+              <a:defRPr sz="1500"/>
             </a:lvl7pPr>
             <a:lvl8pPr>
-              <a:defRPr sz="2000"/>
+              <a:defRPr sz="1500"/>
             </a:lvl8pPr>
             <a:lvl9pPr>
-              <a:defRPr sz="2000"/>
+              <a:defRPr sz="1500"/>
             </a:lvl9pPr>
           </a:lstStyle>
           <a:p>
             <a:pPr lvl="0"/>
             <a:r>
-              <a:rPr lang="en-US" smtClean="0"/>
+              <a:rPr lang="en-US"/>
               <a:t>Click to edit Master text styles</a:t>
             </a:r>
           </a:p>
           <a:p>
             <a:pPr lvl="1"/>
             <a:r>
-              <a:rPr lang="en-US" smtClean="0"/>
+              <a:rPr lang="en-US"/>
               <a:t>Second level</a:t>
             </a:r>
           </a:p>
           <a:p>
             <a:pPr lvl="2"/>
             <a:r>
-              <a:rPr lang="en-US" smtClean="0"/>
+              <a:rPr lang="en-US"/>
               <a:t>Third level</a:t>
             </a:r>
           </a:p>
           <a:p>
             <a:pPr lvl="3"/>
             <a:r>
-              <a:rPr lang="en-US" smtClean="0"/>
+              <a:rPr lang="en-US"/>
               <a:t>Fourth level</a:t>
             </a:r>
           </a:p>
           <a:p>
             <a:pPr lvl="4"/>
             <a:r>
-              <a:rPr lang="en-US" smtClean="0"/>
+              <a:rPr lang="en-US"/>
               <a:t>Fifth level</a:t>
             </a:r>
-            <a:endParaRPr lang="en-US"/>
           </a:p>
         </p:txBody>
       </p:sp>
@@ -2637,8 +2618,8 @@
         </p:nvSpPr>
         <p:spPr>
           <a:xfrm>
-            <a:off x="457200" y="1435100"/>
-            <a:ext cx="3008313" cy="4691063"/>
+            <a:off x="457201" y="1076326"/>
+            <a:ext cx="3008313" cy="3518297"/>
           </a:xfrm>
         </p:spPr>
         <p:txBody>
@@ -2646,45 +2627,45 @@
           <a:lstStyle>
             <a:lvl1pPr marL="0" indent="0">
               <a:buNone/>
-              <a:defRPr sz="1400"/>
+              <a:defRPr sz="1050"/>
             </a:lvl1pPr>
-            <a:lvl2pPr marL="457200" indent="0">
-              <a:buNone/>
-              <a:defRPr sz="1200"/>
+            <a:lvl2pPr marL="342900" indent="0">
+              <a:buNone/>
+              <a:defRPr sz="900"/>
             </a:lvl2pPr>
-            <a:lvl3pPr marL="914400" indent="0">
-              <a:buNone/>
-              <a:defRPr sz="1000"/>
+            <a:lvl3pPr marL="685800" indent="0">
+              <a:buNone/>
+              <a:defRPr sz="750"/>
             </a:lvl3pPr>
-            <a:lvl4pPr marL="1371600" indent="0">
-              <a:buNone/>
-              <a:defRPr sz="900"/>
+            <a:lvl4pPr marL="1028700" indent="0">
+              <a:buNone/>
+              <a:defRPr sz="675"/>
             </a:lvl4pPr>
-            <a:lvl5pPr marL="1828800" indent="0">
-              <a:buNone/>
-              <a:defRPr sz="900"/>
+            <a:lvl5pPr marL="1371600" indent="0">
+              <a:buNone/>
+              <a:defRPr sz="675"/>
             </a:lvl5pPr>
-            <a:lvl6pPr marL="2286000" indent="0">
-              <a:buNone/>
-              <a:defRPr sz="900"/>
+            <a:lvl6pPr marL="1714500" indent="0">
+              <a:buNone/>
+              <a:defRPr sz="675"/>
             </a:lvl6pPr>
-            <a:lvl7pPr marL="2743200" indent="0">
-              <a:buNone/>
-              <a:defRPr sz="900"/>
+            <a:lvl7pPr marL="2057400" indent="0">
+              <a:buNone/>
+              <a:defRPr sz="675"/>
             </a:lvl7pPr>
-            <a:lvl8pPr marL="3200400" indent="0">
-              <a:buNone/>
-              <a:defRPr sz="900"/>
+            <a:lvl8pPr marL="2400300" indent="0">
+              <a:buNone/>
+              <a:defRPr sz="675"/>
             </a:lvl8pPr>
-            <a:lvl9pPr marL="3657600" indent="0">
-              <a:buNone/>
-              <a:defRPr sz="900"/>
+            <a:lvl9pPr marL="2743200" indent="0">
+              <a:buNone/>
+              <a:defRPr sz="675"/>
             </a:lvl9pPr>
           </a:lstStyle>
           <a:p>
             <a:pPr lvl="0"/>
             <a:r>
-              <a:rPr lang="en-US" smtClean="0"/>
+              <a:rPr lang="en-US"/>
               <a:t>Click to edit Master text styles</a:t>
             </a:r>
           </a:p>
@@ -2707,7 +2688,7 @@
           <a:p>
             <a:fld id="{241EB5C9-1307-BA42-ABA2-0BC069CD8E7F}" type="datetimeFigureOut">
               <a:rPr lang="en-US" smtClean="0"/>
-              <a:t>4/5/2019</a:t>
+              <a:t>1/2/22</a:t>
             </a:fld>
             <a:endParaRPr lang="en-US"/>
           </a:p>
@@ -2797,23 +2778,22 @@
         </p:nvSpPr>
         <p:spPr>
           <a:xfrm>
-            <a:off x="1792288" y="4800600"/>
-            <a:ext cx="5486400" cy="566738"/>
+            <a:off x="1792288" y="3600450"/>
+            <a:ext cx="5486400" cy="425054"/>
           </a:xfrm>
         </p:spPr>
         <p:txBody>
           <a:bodyPr anchor="b"/>
           <a:lstStyle>
             <a:lvl1pPr algn="l">
-              <a:defRPr sz="2000" b="1"/>
+              <a:defRPr sz="1500" b="1"/>
             </a:lvl1pPr>
           </a:lstStyle>
           <a:p>
             <a:r>
-              <a:rPr lang="en-US" smtClean="0"/>
+              <a:rPr lang="en-US"/>
               <a:t>Click to edit Master title style</a:t>
             </a:r>
-            <a:endParaRPr lang="en-US"/>
           </a:p>
         </p:txBody>
       </p:sp>
@@ -2829,8 +2809,8 @@
         </p:nvSpPr>
         <p:spPr>
           <a:xfrm>
-            <a:off x="1792288" y="612775"/>
-            <a:ext cx="5486400" cy="4114800"/>
+            <a:off x="1792288" y="459581"/>
+            <a:ext cx="5486400" cy="3086100"/>
           </a:xfrm>
         </p:spPr>
         <p:txBody>
@@ -2838,39 +2818,39 @@
           <a:lstStyle>
             <a:lvl1pPr marL="0" indent="0">
               <a:buNone/>
-              <a:defRPr sz="3200"/>
+              <a:defRPr sz="2400"/>
             </a:lvl1pPr>
-            <a:lvl2pPr marL="457200" indent="0">
-              <a:buNone/>
-              <a:defRPr sz="2800"/>
+            <a:lvl2pPr marL="342900" indent="0">
+              <a:buNone/>
+              <a:defRPr sz="2100"/>
             </a:lvl2pPr>
-            <a:lvl3pPr marL="914400" indent="0">
-              <a:buNone/>
-              <a:defRPr sz="2400"/>
+            <a:lvl3pPr marL="685800" indent="0">
+              <a:buNone/>
+              <a:defRPr sz="1800"/>
             </a:lvl3pPr>
-            <a:lvl4pPr marL="1371600" indent="0">
-              <a:buNone/>
-              <a:defRPr sz="2000"/>
+            <a:lvl4pPr marL="1028700" indent="0">
+              <a:buNone/>
+              <a:defRPr sz="1500"/>
             </a:lvl4pPr>
-            <a:lvl5pPr marL="1828800" indent="0">
-              <a:buNone/>
-              <a:defRPr sz="2000"/>
+            <a:lvl5pPr marL="1371600" indent="0">
+              <a:buNone/>
+              <a:defRPr sz="1500"/>
             </a:lvl5pPr>
-            <a:lvl6pPr marL="2286000" indent="0">
-              <a:buNone/>
-              <a:defRPr sz="2000"/>
+            <a:lvl6pPr marL="1714500" indent="0">
+              <a:buNone/>
+              <a:defRPr sz="1500"/>
             </a:lvl6pPr>
-            <a:lvl7pPr marL="2743200" indent="0">
-              <a:buNone/>
-              <a:defRPr sz="2000"/>
+            <a:lvl7pPr marL="2057400" indent="0">
+              <a:buNone/>
+              <a:defRPr sz="1500"/>
             </a:lvl7pPr>
-            <a:lvl8pPr marL="3200400" indent="0">
-              <a:buNone/>
-              <a:defRPr sz="2000"/>
+            <a:lvl8pPr marL="2400300" indent="0">
+              <a:buNone/>
+              <a:defRPr sz="1500"/>
             </a:lvl8pPr>
-            <a:lvl9pPr marL="3657600" indent="0">
-              <a:buNone/>
-              <a:defRPr sz="2000"/>
+            <a:lvl9pPr marL="2743200" indent="0">
+              <a:buNone/>
+              <a:defRPr sz="1500"/>
             </a:lvl9pPr>
           </a:lstStyle>
           <a:p>
@@ -2890,8 +2870,8 @@
         </p:nvSpPr>
         <p:spPr>
           <a:xfrm>
-            <a:off x="1792288" y="5367338"/>
-            <a:ext cx="5486400" cy="804862"/>
+            <a:off x="1792288" y="4025503"/>
+            <a:ext cx="5486400" cy="603647"/>
           </a:xfrm>
         </p:spPr>
         <p:txBody>
@@ -2899,45 +2879,45 @@
           <a:lstStyle>
             <a:lvl1pPr marL="0" indent="0">
               <a:buNone/>
-              <a:defRPr sz="1400"/>
+              <a:defRPr sz="1050"/>
             </a:lvl1pPr>
-            <a:lvl2pPr marL="457200" indent="0">
-              <a:buNone/>
-              <a:defRPr sz="1200"/>
+            <a:lvl2pPr marL="342900" indent="0">
+              <a:buNone/>
+              <a:defRPr sz="900"/>
             </a:lvl2pPr>
-            <a:lvl3pPr marL="914400" indent="0">
-              <a:buNone/>
-              <a:defRPr sz="1000"/>
+            <a:lvl3pPr marL="685800" indent="0">
+              <a:buNone/>
+              <a:defRPr sz="750"/>
             </a:lvl3pPr>
-            <a:lvl4pPr marL="1371600" indent="0">
-              <a:buNone/>
-              <a:defRPr sz="900"/>
+            <a:lvl4pPr marL="1028700" indent="0">
+              <a:buNone/>
+              <a:defRPr sz="675"/>
             </a:lvl4pPr>
-            <a:lvl5pPr marL="1828800" indent="0">
-              <a:buNone/>
-              <a:defRPr sz="900"/>
+            <a:lvl5pPr marL="1371600" indent="0">
+              <a:buNone/>
+              <a:defRPr sz="675"/>
             </a:lvl5pPr>
-            <a:lvl6pPr marL="2286000" indent="0">
-              <a:buNone/>
-              <a:defRPr sz="900"/>
+            <a:lvl6pPr marL="1714500" indent="0">
+              <a:buNone/>
+              <a:defRPr sz="675"/>
             </a:lvl6pPr>
-            <a:lvl7pPr marL="2743200" indent="0">
-              <a:buNone/>
-              <a:defRPr sz="900"/>
+            <a:lvl7pPr marL="2057400" indent="0">
+              <a:buNone/>
+              <a:defRPr sz="675"/>
             </a:lvl7pPr>
-            <a:lvl8pPr marL="3200400" indent="0">
-              <a:buNone/>
-              <a:defRPr sz="900"/>
+            <a:lvl8pPr marL="2400300" indent="0">
+              <a:buNone/>
+              <a:defRPr sz="675"/>
             </a:lvl8pPr>
-            <a:lvl9pPr marL="3657600" indent="0">
-              <a:buNone/>
-              <a:defRPr sz="900"/>
+            <a:lvl9pPr marL="2743200" indent="0">
+              <a:buNone/>
+              <a:defRPr sz="675"/>
             </a:lvl9pPr>
           </a:lstStyle>
           <a:p>
             <a:pPr lvl="0"/>
             <a:r>
-              <a:rPr lang="en-US" smtClean="0"/>
+              <a:rPr lang="en-US"/>
               <a:t>Click to edit Master text styles</a:t>
             </a:r>
           </a:p>
@@ -2960,7 +2940,7 @@
           <a:p>
             <a:fld id="{241EB5C9-1307-BA42-ABA2-0BC069CD8E7F}" type="datetimeFigureOut">
               <a:rPr lang="en-US" smtClean="0"/>
-              <a:t>4/5/2019</a:t>
+              <a:t>1/2/22</a:t>
             </a:fld>
             <a:endParaRPr lang="en-US"/>
           </a:p>
@@ -3055,8 +3035,8 @@
         </p:nvSpPr>
         <p:spPr>
           <a:xfrm>
-            <a:off x="457200" y="274638"/>
-            <a:ext cx="8229600" cy="1143000"/>
+            <a:off x="457200" y="205979"/>
+            <a:ext cx="8229600" cy="857250"/>
           </a:xfrm>
           <a:prstGeom prst="rect">
             <a:avLst/>
@@ -3069,10 +3049,9 @@
           <a:lstStyle/>
           <a:p>
             <a:r>
-              <a:rPr lang="en-US" smtClean="0"/>
+              <a:rPr lang="en-US"/>
               <a:t>Click to edit Master title style</a:t>
             </a:r>
-            <a:endParaRPr lang="en-US"/>
           </a:p>
         </p:txBody>
       </p:sp>
@@ -3088,8 +3067,8 @@
         </p:nvSpPr>
         <p:spPr>
           <a:xfrm>
-            <a:off x="457200" y="1600200"/>
-            <a:ext cx="8229600" cy="4525963"/>
+            <a:off x="457200" y="1200151"/>
+            <a:ext cx="8229600" cy="3394472"/>
           </a:xfrm>
           <a:prstGeom prst="rect">
             <a:avLst/>
@@ -3103,38 +3082,37 @@
           <a:p>
             <a:pPr lvl="0"/>
             <a:r>
-              <a:rPr lang="en-US" smtClean="0"/>
+              <a:rPr lang="en-US"/>
               <a:t>Click to edit Master text styles</a:t>
             </a:r>
           </a:p>
           <a:p>
             <a:pPr lvl="1"/>
             <a:r>
-              <a:rPr lang="en-US" smtClean="0"/>
+              <a:rPr lang="en-US"/>
               <a:t>Second level</a:t>
             </a:r>
           </a:p>
           <a:p>
             <a:pPr lvl="2"/>
             <a:r>
-              <a:rPr lang="en-US" smtClean="0"/>
+              <a:rPr lang="en-US"/>
               <a:t>Third level</a:t>
             </a:r>
           </a:p>
           <a:p>
             <a:pPr lvl="3"/>
             <a:r>
-              <a:rPr lang="en-US" smtClean="0"/>
+              <a:rPr lang="en-US"/>
               <a:t>Fourth level</a:t>
             </a:r>
           </a:p>
           <a:p>
             <a:pPr lvl="4"/>
             <a:r>
-              <a:rPr lang="en-US" smtClean="0"/>
+              <a:rPr lang="en-US"/>
               <a:t>Fifth level</a:t>
             </a:r>
-            <a:endParaRPr lang="en-US"/>
           </a:p>
         </p:txBody>
       </p:sp>
@@ -3150,8 +3128,8 @@
         </p:nvSpPr>
         <p:spPr>
           <a:xfrm>
-            <a:off x="457200" y="6356350"/>
-            <a:ext cx="2133600" cy="365125"/>
+            <a:off x="457200" y="4767263"/>
+            <a:ext cx="2133600" cy="273844"/>
           </a:xfrm>
           <a:prstGeom prst="rect">
             <a:avLst/>
@@ -3161,7 +3139,7 @@
           <a:bodyPr anchor="ctr" bIns="45720" lIns="91440" rIns="91440" rtlCol="0" tIns="45720" vert="horz"/>
           <a:lstStyle>
             <a:lvl1pPr algn="l">
-              <a:defRPr sz="1200">
+              <a:defRPr sz="900">
                 <a:solidFill>
                   <a:schemeClr val="tx1">
                     <a:tint val="75000"/>
@@ -3173,7 +3151,7 @@
           <a:p>
             <a:fld id="{241EB5C9-1307-BA42-ABA2-0BC069CD8E7F}" type="datetimeFigureOut">
               <a:rPr lang="en-US" smtClean="0"/>
-              <a:t>4/5/2019</a:t>
+              <a:t>1/2/22</a:t>
             </a:fld>
             <a:endParaRPr lang="en-US"/>
           </a:p>
@@ -3191,8 +3169,8 @@
         </p:nvSpPr>
         <p:spPr>
           <a:xfrm>
-            <a:off x="3124200" y="6356350"/>
-            <a:ext cx="2895600" cy="365125"/>
+            <a:off x="3124200" y="4767263"/>
+            <a:ext cx="2895600" cy="273844"/>
           </a:xfrm>
           <a:prstGeom prst="rect">
             <a:avLst/>
@@ -3202,7 +3180,7 @@
           <a:bodyPr anchor="ctr" bIns="45720" lIns="91440" rIns="91440" rtlCol="0" tIns="45720" vert="horz"/>
           <a:lstStyle>
             <a:lvl1pPr algn="ctr">
-              <a:defRPr sz="1200">
+              <a:defRPr sz="900">
                 <a:solidFill>
                   <a:schemeClr val="tx1">
                     <a:tint val="75000"/>
@@ -3228,8 +3206,8 @@
         </p:nvSpPr>
         <p:spPr>
           <a:xfrm>
-            <a:off x="6553200" y="6356350"/>
-            <a:ext cx="2133600" cy="365125"/>
+            <a:off x="6553200" y="4767263"/>
+            <a:ext cx="2133600" cy="273844"/>
           </a:xfrm>
           <a:prstGeom prst="rect">
             <a:avLst/>
@@ -3239,7 +3217,7 @@
           <a:bodyPr anchor="ctr" bIns="45720" lIns="91440" rIns="91440" rtlCol="0" tIns="45720" vert="horz"/>
           <a:lstStyle>
             <a:lvl1pPr algn="r">
-              <a:defRPr sz="1200">
+              <a:defRPr sz="900">
                 <a:solidFill>
                   <a:schemeClr val="tx1">
                     <a:tint val="75000"/>
@@ -3280,12 +3258,12 @@
   </p:sldLayoutIdLst>
   <p:txStyles>
     <p:titleStyle>
-      <a:lvl1pPr algn="ctr" defTabSz="457200" eaLnBrk="1" hangingPunct="1" latinLnBrk="0" rtl="0">
+      <a:lvl1pPr algn="ctr" defTabSz="342900" eaLnBrk="1" hangingPunct="1" latinLnBrk="0" rtl="0">
         <a:spcBef>
           <a:spcPct val="0"/>
         </a:spcBef>
         <a:buNone/>
-        <a:defRPr kern="1200" sz="4400">
+        <a:defRPr kern="1200" sz="3300">
           <a:solidFill>
             <a:schemeClr val="tx1"/>
           </a:solidFill>
@@ -3296,37 +3274,7 @@
       </a:lvl1pPr>
     </p:titleStyle>
     <p:bodyStyle>
-      <a:lvl1pPr algn="l" defTabSz="457200" eaLnBrk="1" hangingPunct="1" indent="-457200" latinLnBrk="0" marL="457200" rtl="0">
-        <a:spcBef>
-          <a:spcPct val="20000"/>
-        </a:spcBef>
-        <a:buFont typeface="Arial"/>
-        <a:buChar char="•"/>
-        <a:defRPr kern="1200" sz="3200">
-          <a:solidFill>
-            <a:schemeClr val="tx1"/>
-          </a:solidFill>
-          <a:latin typeface="+mn-lt"/>
-          <a:ea typeface="+mn-ea"/>
-          <a:cs typeface="+mn-cs"/>
-        </a:defRPr>
-      </a:lvl1pPr>
-      <a:lvl2pPr algn="l" defTabSz="457200" eaLnBrk="1" hangingPunct="1" indent="-457200" latinLnBrk="0" marL="914400" rtl="0">
-        <a:spcBef>
-          <a:spcPct val="20000"/>
-        </a:spcBef>
-        <a:buFont typeface="Arial"/>
-        <a:buChar char="–"/>
-        <a:defRPr kern="1200" sz="2800">
-          <a:solidFill>
-            <a:schemeClr val="tx1"/>
-          </a:solidFill>
-          <a:latin typeface="+mn-lt"/>
-          <a:ea typeface="+mn-ea"/>
-          <a:cs typeface="+mn-cs"/>
-        </a:defRPr>
-      </a:lvl2pPr>
-      <a:lvl3pPr algn="l" defTabSz="457200" eaLnBrk="1" hangingPunct="1" indent="-457200" latinLnBrk="0" marL="1371600" rtl="0">
+      <a:lvl1pPr algn="l" defTabSz="342900" eaLnBrk="1" hangingPunct="1" indent="-342900" latinLnBrk="0" marL="342900" rtl="0">
         <a:spcBef>
           <a:spcPct val="20000"/>
         </a:spcBef>
@@ -3340,14 +3288,44 @@
           <a:ea typeface="+mn-ea"/>
           <a:cs typeface="+mn-cs"/>
         </a:defRPr>
-      </a:lvl3pPr>
-      <a:lvl4pPr algn="l" defTabSz="457200" eaLnBrk="1" hangingPunct="1" indent="-457200" latinLnBrk="0" marL="1828800" rtl="0">
+      </a:lvl1pPr>
+      <a:lvl2pPr algn="l" defTabSz="342900" eaLnBrk="1" hangingPunct="1" indent="-342900" latinLnBrk="0" marL="685800" rtl="0">
         <a:spcBef>
           <a:spcPct val="20000"/>
         </a:spcBef>
         <a:buFont typeface="Arial"/>
         <a:buChar char="–"/>
-        <a:defRPr kern="1200" sz="2000">
+        <a:defRPr kern="1200" sz="2100">
+          <a:solidFill>
+            <a:schemeClr val="tx1"/>
+          </a:solidFill>
+          <a:latin typeface="+mn-lt"/>
+          <a:ea typeface="+mn-ea"/>
+          <a:cs typeface="+mn-cs"/>
+        </a:defRPr>
+      </a:lvl2pPr>
+      <a:lvl3pPr algn="l" defTabSz="342900" eaLnBrk="1" hangingPunct="1" indent="-342900" latinLnBrk="0" marL="1028700" rtl="0">
+        <a:spcBef>
+          <a:spcPct val="20000"/>
+        </a:spcBef>
+        <a:buFont typeface="Arial"/>
+        <a:buChar char="•"/>
+        <a:defRPr kern="1200" sz="1800">
+          <a:solidFill>
+            <a:schemeClr val="tx1"/>
+          </a:solidFill>
+          <a:latin typeface="+mn-lt"/>
+          <a:ea typeface="+mn-ea"/>
+          <a:cs typeface="+mn-cs"/>
+        </a:defRPr>
+      </a:lvl3pPr>
+      <a:lvl4pPr algn="l" defTabSz="342900" eaLnBrk="1" hangingPunct="1" indent="-342900" latinLnBrk="0" marL="1371600" rtl="0">
+        <a:spcBef>
+          <a:spcPct val="20000"/>
+        </a:spcBef>
+        <a:buFont typeface="Arial"/>
+        <a:buChar char="–"/>
+        <a:defRPr kern="1200" sz="1500">
           <a:solidFill>
             <a:schemeClr val="tx1"/>
           </a:solidFill>
@@ -3356,13 +3334,13 @@
           <a:cs typeface="+mn-cs"/>
         </a:defRPr>
       </a:lvl4pPr>
-      <a:lvl5pPr algn="l" defTabSz="457200" eaLnBrk="1" hangingPunct="1" indent="-457200" latinLnBrk="0" marL="2286000" rtl="0">
+      <a:lvl5pPr algn="l" defTabSz="342900" eaLnBrk="1" hangingPunct="1" indent="-342900" latinLnBrk="0" marL="1714500" rtl="0">
         <a:spcBef>
           <a:spcPct val="20000"/>
         </a:spcBef>
         <a:buFont typeface="Arial"/>
         <a:buChar char="»"/>
-        <a:defRPr kern="1200" sz="2000">
+        <a:defRPr kern="1200" sz="1500">
           <a:solidFill>
             <a:schemeClr val="tx1"/>
           </a:solidFill>
@@ -3371,13 +3349,13 @@
           <a:cs typeface="+mn-cs"/>
         </a:defRPr>
       </a:lvl5pPr>
-      <a:lvl6pPr algn="l" defTabSz="457200" eaLnBrk="1" hangingPunct="1" indent="-457200" latinLnBrk="0" marL="2743200" rtl="0">
+      <a:lvl6pPr algn="l" defTabSz="342900" eaLnBrk="1" hangingPunct="1" indent="-342900" latinLnBrk="0" marL="2057400" rtl="0">
         <a:spcBef>
           <a:spcPct val="20000"/>
         </a:spcBef>
         <a:buFont typeface="Arial"/>
         <a:buChar char="•"/>
-        <a:defRPr kern="1200" sz="2000">
+        <a:defRPr kern="1200" sz="1500">
           <a:solidFill>
             <a:schemeClr val="tx1"/>
           </a:solidFill>
@@ -3386,13 +3364,13 @@
           <a:cs typeface="+mn-cs"/>
         </a:defRPr>
       </a:lvl6pPr>
-      <a:lvl7pPr algn="l" defTabSz="457200" eaLnBrk="1" hangingPunct="1" indent="-457200" latinLnBrk="0" marL="3200400" rtl="0">
+      <a:lvl7pPr algn="l" defTabSz="342900" eaLnBrk="1" hangingPunct="1" indent="-342900" latinLnBrk="0" marL="2400300" rtl="0">
         <a:spcBef>
           <a:spcPct val="20000"/>
         </a:spcBef>
         <a:buFont typeface="Arial"/>
         <a:buChar char="•"/>
-        <a:defRPr kern="1200" sz="2000">
+        <a:defRPr kern="1200" sz="1500">
           <a:solidFill>
             <a:schemeClr val="tx1"/>
           </a:solidFill>
@@ -3401,13 +3379,13 @@
           <a:cs typeface="+mn-cs"/>
         </a:defRPr>
       </a:lvl7pPr>
-      <a:lvl8pPr algn="l" defTabSz="457200" eaLnBrk="1" hangingPunct="1" indent="-457200" latinLnBrk="0" marL="3657600" rtl="0">
+      <a:lvl8pPr algn="l" defTabSz="342900" eaLnBrk="1" hangingPunct="1" indent="-342900" latinLnBrk="0" marL="2743200" rtl="0">
         <a:spcBef>
           <a:spcPct val="20000"/>
         </a:spcBef>
         <a:buFont typeface="Arial"/>
         <a:buChar char="•"/>
-        <a:defRPr kern="1200" sz="2000">
+        <a:defRPr kern="1200" sz="1500">
           <a:solidFill>
             <a:schemeClr val="tx1"/>
           </a:solidFill>
@@ -3416,13 +3394,13 @@
           <a:cs typeface="+mn-cs"/>
         </a:defRPr>
       </a:lvl8pPr>
-      <a:lvl9pPr algn="l" defTabSz="457200" eaLnBrk="1" hangingPunct="1" indent="-457200" latinLnBrk="0" marL="4114800" rtl="0">
+      <a:lvl9pPr algn="l" defTabSz="342900" eaLnBrk="1" hangingPunct="1" indent="-342900" latinLnBrk="0" marL="3086100" rtl="0">
         <a:spcBef>
           <a:spcPct val="20000"/>
         </a:spcBef>
         <a:buFont typeface="Arial"/>
         <a:buChar char="•"/>
-        <a:defRPr kern="1200" sz="2000">
+        <a:defRPr kern="1200" sz="1500">
           <a:solidFill>
             <a:schemeClr val="tx1"/>
           </a:solidFill>
@@ -3436,8 +3414,8 @@
       <a:defPPr>
         <a:defRPr lang="en-US"/>
       </a:defPPr>
-      <a:lvl1pPr algn="l" defTabSz="457200" eaLnBrk="1" hangingPunct="1" latinLnBrk="0" marL="0" rtl="0">
-        <a:defRPr kern="1200" sz="1800">
+      <a:lvl1pPr algn="l" defTabSz="342900" eaLnBrk="1" hangingPunct="1" latinLnBrk="0" marL="0" rtl="0">
+        <a:defRPr kern="1200" sz="1350">
           <a:solidFill>
             <a:schemeClr val="tx1"/>
           </a:solidFill>
@@ -3446,8 +3424,8 @@
           <a:cs typeface="+mn-cs"/>
         </a:defRPr>
       </a:lvl1pPr>
-      <a:lvl2pPr algn="l" defTabSz="457200" eaLnBrk="1" hangingPunct="1" latinLnBrk="0" marL="457200" rtl="0">
-        <a:defRPr kern="1200" sz="1800">
+      <a:lvl2pPr algn="l" defTabSz="342900" eaLnBrk="1" hangingPunct="1" latinLnBrk="0" marL="342900" rtl="0">
+        <a:defRPr kern="1200" sz="1350">
           <a:solidFill>
             <a:schemeClr val="tx1"/>
           </a:solidFill>
@@ -3456,8 +3434,8 @@
           <a:cs typeface="+mn-cs"/>
         </a:defRPr>
       </a:lvl2pPr>
-      <a:lvl3pPr algn="l" defTabSz="457200" eaLnBrk="1" hangingPunct="1" latinLnBrk="0" marL="914400" rtl="0">
-        <a:defRPr kern="1200" sz="1800">
+      <a:lvl3pPr algn="l" defTabSz="342900" eaLnBrk="1" hangingPunct="1" latinLnBrk="0" marL="685800" rtl="0">
+        <a:defRPr kern="1200" sz="1350">
           <a:solidFill>
             <a:schemeClr val="tx1"/>
           </a:solidFill>
@@ -3466,8 +3444,8 @@
           <a:cs typeface="+mn-cs"/>
         </a:defRPr>
       </a:lvl3pPr>
-      <a:lvl4pPr algn="l" defTabSz="457200" eaLnBrk="1" hangingPunct="1" latinLnBrk="0" marL="1371600" rtl="0">
-        <a:defRPr kern="1200" sz="1800">
+      <a:lvl4pPr algn="l" defTabSz="342900" eaLnBrk="1" hangingPunct="1" latinLnBrk="0" marL="1028700" rtl="0">
+        <a:defRPr kern="1200" sz="1350">
           <a:solidFill>
             <a:schemeClr val="tx1"/>
           </a:solidFill>
@@ -3476,8 +3454,8 @@
           <a:cs typeface="+mn-cs"/>
         </a:defRPr>
       </a:lvl4pPr>
-      <a:lvl5pPr algn="l" defTabSz="457200" eaLnBrk="1" hangingPunct="1" latinLnBrk="0" marL="1828800" rtl="0">
-        <a:defRPr kern="1200" sz="1800">
+      <a:lvl5pPr algn="l" defTabSz="342900" eaLnBrk="1" hangingPunct="1" latinLnBrk="0" marL="1371600" rtl="0">
+        <a:defRPr kern="1200" sz="1350">
           <a:solidFill>
             <a:schemeClr val="tx1"/>
           </a:solidFill>
@@ -3486,8 +3464,8 @@
           <a:cs typeface="+mn-cs"/>
         </a:defRPr>
       </a:lvl5pPr>
-      <a:lvl6pPr algn="l" defTabSz="457200" eaLnBrk="1" hangingPunct="1" latinLnBrk="0" marL="2286000" rtl="0">
-        <a:defRPr kern="1200" sz="1800">
+      <a:lvl6pPr algn="l" defTabSz="342900" eaLnBrk="1" hangingPunct="1" latinLnBrk="0" marL="1714500" rtl="0">
+        <a:defRPr kern="1200" sz="1350">
           <a:solidFill>
             <a:schemeClr val="tx1"/>
           </a:solidFill>
@@ -3496,8 +3474,8 @@
           <a:cs typeface="+mn-cs"/>
         </a:defRPr>
       </a:lvl6pPr>
-      <a:lvl7pPr algn="l" defTabSz="457200" eaLnBrk="1" hangingPunct="1" latinLnBrk="0" marL="2743200" rtl="0">
-        <a:defRPr kern="1200" sz="1800">
+      <a:lvl7pPr algn="l" defTabSz="342900" eaLnBrk="1" hangingPunct="1" latinLnBrk="0" marL="2057400" rtl="0">
+        <a:defRPr kern="1200" sz="1350">
           <a:solidFill>
             <a:schemeClr val="tx1"/>
           </a:solidFill>
@@ -3506,8 +3484,8 @@
           <a:cs typeface="+mn-cs"/>
         </a:defRPr>
       </a:lvl7pPr>
-      <a:lvl8pPr algn="l" defTabSz="457200" eaLnBrk="1" hangingPunct="1" latinLnBrk="0" marL="3200400" rtl="0">
-        <a:defRPr kern="1200" sz="1800">
+      <a:lvl8pPr algn="l" defTabSz="342900" eaLnBrk="1" hangingPunct="1" latinLnBrk="0" marL="2400300" rtl="0">
+        <a:defRPr kern="1200" sz="1350">
           <a:solidFill>
             <a:schemeClr val="tx1"/>
           </a:solidFill>
@@ -3516,8 +3494,8 @@
           <a:cs typeface="+mn-cs"/>
         </a:defRPr>
       </a:lvl8pPr>
-      <a:lvl9pPr algn="l" defTabSz="457200" eaLnBrk="1" hangingPunct="1" latinLnBrk="0" marL="3657600" rtl="0">
-        <a:defRPr kern="1200" sz="1800">
+      <a:lvl9pPr algn="l" defTabSz="342900" eaLnBrk="1" hangingPunct="1" latinLnBrk="0" marL="2743200" rtl="0">
+        <a:defRPr kern="1200" sz="1350">
           <a:solidFill>
             <a:schemeClr val="tx1"/>
           </a:solidFill>
